--- a/InProgress/Badges/Digital Explorer Badges.pptx
+++ b/InProgress/Badges/Digital Explorer Badges.pptx
@@ -268,7 +268,7 @@
           </ac:spMkLst>
         </pc:spChg>
         <pc:spChg chg="add del">
-          <ac:chgData name="David Stevens" userId="b6815b1ecc207c78" providerId="LiveId" clId="{92F79DC4-295C-419E-998B-5F1C8597ADC1}" dt="2018-05-22T14:59:45.275" v="54"/>
+          <ac:chgData name="David Stevens" userId="b6815b1ecc207c78" providerId="LiveId" clId="{92F79DC4-295C-419E-998B-5F1C8597ADC1}" dt="2018-05-22T14:59:45.275" v="54" actId="108"/>
           <ac:spMkLst>
             <pc:docMk/>
             <pc:sldMk cId="3131760488" sldId="326"/>
@@ -323,6 +323,30 @@
             <ac:graphicFrameMk id="14" creationId="{A7BC4D54-A17B-438E-A39A-7FA0A53C2E78}"/>
           </ac:graphicFrameMkLst>
         </pc:graphicFrameChg>
+      </pc:sldChg>
+    </pc:docChg>
+  </pc:docChgLst>
+  <pc:docChgLst>
+    <pc:chgData name="David Stevens" userId="b6815b1ecc207c78" providerId="LiveId" clId="{456B4E9D-26DD-4E28-9DE1-E3370A981174}"/>
+    <pc:docChg chg="custSel modSld">
+      <pc:chgData name="David Stevens" userId="b6815b1ecc207c78" providerId="LiveId" clId="{456B4E9D-26DD-4E28-9DE1-E3370A981174}" dt="2018-06-12T12:39:30.277" v="40" actId="20577"/>
+      <pc:docMkLst>
+        <pc:docMk/>
+      </pc:docMkLst>
+      <pc:sldChg chg="modSp">
+        <pc:chgData name="David Stevens" userId="b6815b1ecc207c78" providerId="LiveId" clId="{456B4E9D-26DD-4E28-9DE1-E3370A981174}" dt="2018-06-12T12:39:30.277" v="40" actId="20577"/>
+        <pc:sldMkLst>
+          <pc:docMk/>
+          <pc:sldMk cId="3942625781" sldId="261"/>
+        </pc:sldMkLst>
+        <pc:spChg chg="mod">
+          <ac:chgData name="David Stevens" userId="b6815b1ecc207c78" providerId="LiveId" clId="{456B4E9D-26DD-4E28-9DE1-E3370A981174}" dt="2018-06-12T12:39:30.277" v="40" actId="20577"/>
+          <ac:spMkLst>
+            <pc:docMk/>
+            <pc:sldMk cId="3942625781" sldId="261"/>
+            <ac:spMk id="3" creationId="{8F09E122-47FB-49E4-9C1E-38878C6D529D}"/>
+          </ac:spMkLst>
+        </pc:spChg>
       </pc:sldChg>
     </pc:docChg>
   </pc:docChgLst>
@@ -417,7 +441,7 @@
                 <a:latin typeface="Arial"/>
                 <a:cs typeface="Arial"/>
               </a:rPr>
-              <a:t>5/22/2018</a:t>
+              <a:t>6/12/2018</a:t>
             </a:fld>
             <a:endParaRPr lang="en-US">
               <a:latin typeface="Arial"/>
@@ -602,7 +626,7 @@
             <a:fld id="{73B26A0F-F4D6-9B4F-A87B-D8948CDE3BB4}" type="datetimeFigureOut">
               <a:rPr lang="en-US" smtClean="0"/>
               <a:pPr/>
-              <a:t>5/22/2018</a:t>
+              <a:t>6/12/2018</a:t>
             </a:fld>
             <a:endParaRPr lang="en-US"/>
           </a:p>
@@ -2246,7 +2270,7 @@
                   <a:spcPts val="0"/>
                 </a:spcBef>
               </a:pPr>
-              <a:t>May 22, 2018</a:t>
+              <a:t>June 12, 2018</a:t>
             </a:fld>
             <a:endParaRPr lang="en-US" sz="1400" b="0" dirty="0">
               <a:solidFill>
@@ -4049,7 +4073,7 @@
                   <a:spcPct val="50000"/>
                 </a:spcBef>
               </a:pPr>
-              <a:t>May 22, 2018</a:t>
+              <a:t>June 12, 2018</a:t>
             </a:fld>
             <a:endParaRPr lang="en-US" sz="1100" b="0" dirty="0">
               <a:solidFill>
@@ -5802,7 +5826,7 @@
                   <a:spcPct val="50000"/>
                 </a:spcBef>
               </a:pPr>
-              <a:t>May 22, 2018</a:t>
+              <a:t>June 12, 2018</a:t>
             </a:fld>
             <a:endParaRPr lang="en-US" sz="1100" b="0" dirty="0">
               <a:solidFill>
@@ -7273,7 +7297,7 @@
                   <a:spcPct val="50000"/>
                 </a:spcBef>
               </a:pPr>
-              <a:t>May 22, 2018</a:t>
+              <a:t>June 12, 2018</a:t>
             </a:fld>
             <a:endParaRPr lang="en-US" sz="1100" b="0" dirty="0">
               <a:solidFill>
@@ -8626,7 +8650,7 @@
                   <a:spcPts val="0"/>
                 </a:spcBef>
               </a:pPr>
-              <a:t>May 22, 2018</a:t>
+              <a:t>June 12, 2018</a:t>
             </a:fld>
             <a:endParaRPr lang="en-US" sz="1100" b="0" dirty="0">
               <a:solidFill>
@@ -10063,7 +10087,7 @@
                   <a:spcPct val="50000"/>
                 </a:spcBef>
               </a:pPr>
-              <a:t>May 22, 2018</a:t>
+              <a:t>June 12, 2018</a:t>
             </a:fld>
             <a:endParaRPr lang="en-US" sz="1100" b="0" dirty="0">
               <a:solidFill>
@@ -12964,7 +12988,7 @@
                   <a:spcPts val="0"/>
                 </a:spcBef>
               </a:pPr>
-              <a:t>May 22, 2018</a:t>
+              <a:t>June 12, 2018</a:t>
             </a:fld>
             <a:endParaRPr lang="en-US" sz="1400" b="0" dirty="0">
               <a:solidFill>
@@ -14355,7 +14379,7 @@
                   <a:spcPts val="0"/>
                 </a:spcBef>
               </a:pPr>
-              <a:t>May 22, 2018</a:t>
+              <a:t>June 12, 2018</a:t>
             </a:fld>
             <a:endParaRPr lang="en-US" sz="1400" b="0" dirty="0">
               <a:solidFill>
@@ -15916,7 +15940,7 @@
                   <a:spcPts val="0"/>
                 </a:spcBef>
               </a:pPr>
-              <a:t>May 22, 2018</a:t>
+              <a:t>June 12, 2018</a:t>
             </a:fld>
             <a:endParaRPr lang="en-US" sz="1400" b="0" dirty="0">
               <a:solidFill>
@@ -17338,7 +17362,7 @@
                   <a:spcPts val="0"/>
                 </a:spcBef>
               </a:pPr>
-              <a:t>May 22, 2018</a:t>
+              <a:t>June 12, 2018</a:t>
             </a:fld>
             <a:endParaRPr lang="en-US" sz="1400" b="0" dirty="0">
               <a:solidFill>
@@ -18752,7 +18776,7 @@
                   <a:spcPts val="0"/>
                 </a:spcBef>
               </a:pPr>
-              <a:t>May 22, 2018</a:t>
+              <a:t>June 12, 2018</a:t>
             </a:fld>
             <a:endParaRPr lang="en-US" sz="1400" b="0" dirty="0">
               <a:solidFill>
@@ -20500,7 +20524,7 @@
                   <a:spcPts val="0"/>
                 </a:spcBef>
               </a:pPr>
-              <a:t>May 22, 2018</a:t>
+              <a:t>June 12, 2018</a:t>
             </a:fld>
             <a:endParaRPr lang="en-US" sz="1100" b="0" dirty="0">
               <a:solidFill>
@@ -23552,6 +23576,15 @@
           <a:p>
             <a:endParaRPr lang="en-GB" dirty="0"/>
           </a:p>
+          <a:p>
+            <a:r>
+              <a:rPr lang="en-GB" dirty="0"/>
+              <a:t>Standard image size of 250px x 250px</a:t>
+            </a:r>
+          </a:p>
+          <a:p>
+            <a:endParaRPr lang="en-GB" dirty="0"/>
+          </a:p>
         </p:txBody>
       </p:sp>
       <p:sp>
